--- a/Apresentação Cesup Rede/Projeto 1.pptx
+++ b/Apresentação Cesup Rede/Projeto 1.pptx
@@ -15,7 +15,6 @@
     <p:sldId id="269" r:id="rId9"/>
     <p:sldId id="268" r:id="rId10"/>
     <p:sldId id="264" r:id="rId11"/>
-    <p:sldId id="266" r:id="rId12"/>
   </p:sldIdLst>
   <p:sldSz cx="12192000" cy="6858000"/>
   <p:notesSz cx="6858000" cy="9144000"/>
@@ -253,7 +252,7 @@
           <a:p>
             <a:fld id="{451DA068-CB82-4A13-8DD8-5B6FC800C9FB}" type="datetimeFigureOut">
               <a:rPr lang="pt-BR" smtClean="0"/>
-              <a:t>12/11/2020</a:t>
+              <a:t>14/11/2020</a:t>
             </a:fld>
             <a:endParaRPr lang="pt-BR"/>
           </a:p>
@@ -423,7 +422,7 @@
           <a:p>
             <a:fld id="{451DA068-CB82-4A13-8DD8-5B6FC800C9FB}" type="datetimeFigureOut">
               <a:rPr lang="pt-BR" smtClean="0"/>
-              <a:t>12/11/2020</a:t>
+              <a:t>14/11/2020</a:t>
             </a:fld>
             <a:endParaRPr lang="pt-BR"/>
           </a:p>
@@ -603,7 +602,7 @@
           <a:p>
             <a:fld id="{451DA068-CB82-4A13-8DD8-5B6FC800C9FB}" type="datetimeFigureOut">
               <a:rPr lang="pt-BR" smtClean="0"/>
-              <a:t>12/11/2020</a:t>
+              <a:t>14/11/2020</a:t>
             </a:fld>
             <a:endParaRPr lang="pt-BR"/>
           </a:p>
@@ -900,7 +899,7 @@
           <a:p>
             <a:fld id="{451DA068-CB82-4A13-8DD8-5B6FC800C9FB}" type="datetimeFigureOut">
               <a:rPr lang="pt-BR" smtClean="0"/>
-              <a:t>12/11/2020</a:t>
+              <a:t>14/11/2020</a:t>
             </a:fld>
             <a:endParaRPr lang="pt-BR"/>
           </a:p>
@@ -1146,7 +1145,7 @@
           <a:p>
             <a:fld id="{451DA068-CB82-4A13-8DD8-5B6FC800C9FB}" type="datetimeFigureOut">
               <a:rPr lang="pt-BR" smtClean="0"/>
-              <a:t>12/11/2020</a:t>
+              <a:t>14/11/2020</a:t>
             </a:fld>
             <a:endParaRPr lang="pt-BR"/>
           </a:p>
@@ -1378,7 +1377,7 @@
           <a:p>
             <a:fld id="{451DA068-CB82-4A13-8DD8-5B6FC800C9FB}" type="datetimeFigureOut">
               <a:rPr lang="pt-BR" smtClean="0"/>
-              <a:t>12/11/2020</a:t>
+              <a:t>14/11/2020</a:t>
             </a:fld>
             <a:endParaRPr lang="pt-BR"/>
           </a:p>
@@ -1745,7 +1744,7 @@
           <a:p>
             <a:fld id="{451DA068-CB82-4A13-8DD8-5B6FC800C9FB}" type="datetimeFigureOut">
               <a:rPr lang="pt-BR" smtClean="0"/>
-              <a:t>12/11/2020</a:t>
+              <a:t>14/11/2020</a:t>
             </a:fld>
             <a:endParaRPr lang="pt-BR"/>
           </a:p>
@@ -1863,7 +1862,7 @@
           <a:p>
             <a:fld id="{451DA068-CB82-4A13-8DD8-5B6FC800C9FB}" type="datetimeFigureOut">
               <a:rPr lang="pt-BR" smtClean="0"/>
-              <a:t>12/11/2020</a:t>
+              <a:t>14/11/2020</a:t>
             </a:fld>
             <a:endParaRPr lang="pt-BR"/>
           </a:p>
@@ -1958,7 +1957,7 @@
           <a:p>
             <a:fld id="{451DA068-CB82-4A13-8DD8-5B6FC800C9FB}" type="datetimeFigureOut">
               <a:rPr lang="pt-BR" smtClean="0"/>
-              <a:t>12/11/2020</a:t>
+              <a:t>14/11/2020</a:t>
             </a:fld>
             <a:endParaRPr lang="pt-BR"/>
           </a:p>
@@ -2235,7 +2234,7 @@
           <a:p>
             <a:fld id="{451DA068-CB82-4A13-8DD8-5B6FC800C9FB}" type="datetimeFigureOut">
               <a:rPr lang="pt-BR" smtClean="0"/>
-              <a:t>12/11/2020</a:t>
+              <a:t>14/11/2020</a:t>
             </a:fld>
             <a:endParaRPr lang="pt-BR"/>
           </a:p>
@@ -2488,7 +2487,7 @@
           <a:p>
             <a:fld id="{451DA068-CB82-4A13-8DD8-5B6FC800C9FB}" type="datetimeFigureOut">
               <a:rPr lang="pt-BR" smtClean="0"/>
-              <a:t>12/11/2020</a:t>
+              <a:t>14/11/2020</a:t>
             </a:fld>
             <a:endParaRPr lang="pt-BR"/>
           </a:p>
@@ -2701,7 +2700,7 @@
           <a:p>
             <a:fld id="{451DA068-CB82-4A13-8DD8-5B6FC800C9FB}" type="datetimeFigureOut">
               <a:rPr lang="pt-BR" smtClean="0"/>
-              <a:t>12/11/2020</a:t>
+              <a:t>14/11/2020</a:t>
             </a:fld>
             <a:endParaRPr lang="pt-BR"/>
           </a:p>
@@ -3269,8 +3268,8 @@
         </p:nvSpPr>
         <p:spPr>
           <a:xfrm>
-            <a:off x="643944" y="1880316"/>
-            <a:ext cx="11036355" cy="3477875"/>
+            <a:off x="759854" y="1584102"/>
+            <a:ext cx="11151514" cy="4708981"/>
           </a:xfrm>
           <a:prstGeom prst="rect">
             <a:avLst/>
@@ -3300,9 +3299,43 @@
             <a:endParaRPr lang="pt-BR" sz="2000" dirty="0" smtClean="0"/>
           </a:p>
           <a:p>
+            <a:pPr marL="342900" indent="-342900">
+              <a:buFontTx/>
+              <a:buChar char="-"/>
+            </a:pPr>
             <a:r>
               <a:rPr lang="pt-BR" sz="2000" dirty="0" smtClean="0"/>
-              <a:t>-    Possibilidade dos integrantes da equipe saber que aquele cliente, já teve um feedback.</a:t>
+              <a:t>Possibilidade </a:t>
+            </a:r>
+            <a:r>
+              <a:rPr lang="pt-BR" sz="2000" dirty="0" smtClean="0"/>
+              <a:t>dos integrantes da </a:t>
+            </a:r>
+            <a:r>
+              <a:rPr lang="pt-BR" sz="2000" dirty="0" smtClean="0"/>
+              <a:t>equipe, ao atender qualquer cliente, </a:t>
+            </a:r>
+            <a:r>
+              <a:rPr lang="pt-BR" sz="2000" dirty="0" smtClean="0"/>
+              <a:t>saber que aquele cliente, já </a:t>
+            </a:r>
+            <a:r>
+              <a:rPr lang="pt-BR" sz="2000" dirty="0" smtClean="0"/>
+              <a:t>teve</a:t>
+            </a:r>
+          </a:p>
+          <a:p>
+            <a:r>
+              <a:rPr lang="pt-BR" sz="2000" dirty="0" smtClean="0"/>
+              <a:t>alguma</a:t>
+            </a:r>
+            <a:r>
+              <a:rPr lang="pt-BR" sz="2000" dirty="0" smtClean="0"/>
+              <a:t> avaliação ou </a:t>
+            </a:r>
+            <a:r>
+              <a:rPr lang="pt-BR" sz="2000" dirty="0" smtClean="0"/>
+              <a:t>feedback.</a:t>
             </a:r>
           </a:p>
           <a:p>
@@ -3329,19 +3362,56 @@
             </a:r>
             <a:r>
               <a:rPr lang="pt-BR" sz="2000" dirty="0" smtClean="0"/>
-              <a:t>cliente e se houve </a:t>
+              <a:t>cliente </a:t>
             </a:r>
             <a:r>
               <a:rPr lang="pt-BR" sz="2000" dirty="0" smtClean="0"/>
-              <a:t>feedback algum </a:t>
-            </a:r>
-          </a:p>
-          <a:p>
+              <a:t>e </a:t>
+            </a:r>
             <a:r>
               <a:rPr lang="pt-BR" sz="2000" dirty="0" smtClean="0"/>
-              <a:t>feedback.</a:t>
+              <a:t>as ações começam</a:t>
+            </a:r>
+          </a:p>
+          <a:p>
+            <a:r>
+              <a:rPr lang="pt-BR" sz="2000" dirty="0"/>
+              <a:t>a</a:t>
+            </a:r>
+            <a:r>
+              <a:rPr lang="pt-BR" sz="2000" dirty="0" smtClean="0"/>
+              <a:t> ser tomadas com base nas avaliações e feedbacks.</a:t>
             </a:r>
             <a:endParaRPr lang="pt-BR" sz="2000" dirty="0" smtClean="0"/>
+          </a:p>
+          <a:p>
+            <a:endParaRPr lang="pt-PT" sz="2000" dirty="0" smtClean="0"/>
+          </a:p>
+          <a:p>
+            <a:r>
+              <a:rPr lang="pt-BR" sz="2000" dirty="0" smtClean="0"/>
+              <a:t>-    Para </a:t>
+            </a:r>
+            <a:r>
+              <a:rPr lang="pt-BR" sz="2000" dirty="0"/>
+              <a:t>Gerencia, em seus relatórios, além de ter informações de quais clientes fizeram as avaliações </a:t>
+            </a:r>
+            <a:endParaRPr lang="pt-BR" sz="2000" dirty="0" smtClean="0"/>
+          </a:p>
+          <a:p>
+            <a:r>
+              <a:rPr lang="pt-BR" sz="2000" dirty="0" smtClean="0"/>
+              <a:t>(</a:t>
+            </a:r>
+            <a:r>
+              <a:rPr lang="pt-BR" sz="2000" dirty="0"/>
+              <a:t>detratores, neutros e promotores), teria a informação de quem já foi </a:t>
+            </a:r>
+            <a:r>
+              <a:rPr lang="pt-BR" sz="2000" dirty="0" smtClean="0"/>
+              <a:t>contatado.</a:t>
+            </a:r>
+            <a:endParaRPr lang="pt-BR" sz="2000" dirty="0"/>
           </a:p>
           <a:p>
             <a:endParaRPr lang="pt-BR" sz="2000" dirty="0" smtClean="0"/>
@@ -3396,180 +3466,6 @@
     <p:extLst>
       <p:ext uri="{BB962C8B-B14F-4D97-AF65-F5344CB8AC3E}">
         <p14:creationId xmlns:p14="http://schemas.microsoft.com/office/powerpoint/2010/main" val="1090836055"/>
-      </p:ext>
-    </p:extLst>
-  </p:cSld>
-  <p:clrMapOvr>
-    <a:masterClrMapping/>
-  </p:clrMapOvr>
-  <p:timing>
-    <p:tnLst>
-      <p:par>
-        <p:cTn id="1" dur="indefinite" restart="never" nodeType="tmRoot"/>
-      </p:par>
-    </p:tnLst>
-  </p:timing>
-</p:sld>
-</file>
-
-<file path=ppt/slides/slide11.xml><?xml version="1.0" encoding="utf-8"?>
-<p:sld xmlns:a="http://schemas.openxmlformats.org/drawingml/2006/main" xmlns:r="http://schemas.openxmlformats.org/officeDocument/2006/relationships" xmlns:p="http://schemas.openxmlformats.org/presentationml/2006/main">
-  <p:cSld>
-    <p:spTree>
-      <p:nvGrpSpPr>
-        <p:cNvPr id="1" name=""/>
-        <p:cNvGrpSpPr/>
-        <p:nvPr/>
-      </p:nvGrpSpPr>
-      <p:grpSpPr>
-        <a:xfrm>
-          <a:off x="0" y="0"/>
-          <a:ext cx="0" cy="0"/>
-          <a:chOff x="0" y="0"/>
-          <a:chExt cx="0" cy="0"/>
-        </a:xfrm>
-      </p:grpSpPr>
-      <p:sp>
-        <p:nvSpPr>
-          <p:cNvPr id="2" name="Título 1"/>
-          <p:cNvSpPr txBox="1">
-            <a:spLocks/>
-          </p:cNvSpPr>
-          <p:nvPr/>
-        </p:nvSpPr>
-        <p:spPr>
-          <a:xfrm>
-            <a:off x="200024" y="0"/>
-            <a:ext cx="5895976" cy="1076325"/>
-          </a:xfrm>
-          <a:prstGeom prst="rect">
-            <a:avLst/>
-          </a:prstGeom>
-        </p:spPr>
-        <p:txBody>
-          <a:bodyPr vert="horz" lIns="91440" tIns="45720" rIns="91440" bIns="45720" rtlCol="0" anchor="ctr">
-            <a:normAutofit/>
-          </a:bodyPr>
-          <a:lstStyle>
-            <a:lvl1pPr algn="l" defTabSz="914400" rtl="0" eaLnBrk="1" latinLnBrk="0" hangingPunct="1">
-              <a:lnSpc>
-                <a:spcPct val="90000"/>
-              </a:lnSpc>
-              <a:spcBef>
-                <a:spcPct val="0"/>
-              </a:spcBef>
-              <a:buNone/>
-              <a:defRPr sz="4400" kern="1200">
-                <a:solidFill>
-                  <a:schemeClr val="tx1"/>
-                </a:solidFill>
-                <a:latin typeface="+mj-lt"/>
-                <a:ea typeface="+mj-ea"/>
-                <a:cs typeface="+mj-cs"/>
-              </a:defRPr>
-            </a:lvl1pPr>
-          </a:lstStyle>
-          <a:p>
-            <a:pPr algn="ctr"/>
-            <a:r>
-              <a:rPr lang="pt-BR" sz="2800" b="1" dirty="0" smtClean="0">
-                <a:solidFill>
-                  <a:srgbClr val="015CA2"/>
-                </a:solidFill>
-                <a:latin typeface="Arial" panose="020B0604020202020204" pitchFamily="34" charset="0"/>
-                <a:cs typeface="Arial" panose="020B0604020202020204" pitchFamily="34" charset="0"/>
-              </a:rPr>
-              <a:t>Objetivo</a:t>
-            </a:r>
-            <a:endParaRPr lang="pt-BR" sz="2800" b="1" dirty="0">
-              <a:solidFill>
-                <a:srgbClr val="015CA2"/>
-              </a:solidFill>
-              <a:latin typeface="Arial" panose="020B0604020202020204" pitchFamily="34" charset="0"/>
-              <a:cs typeface="Arial" panose="020B0604020202020204" pitchFamily="34" charset="0"/>
-            </a:endParaRPr>
-          </a:p>
-        </p:txBody>
-      </p:sp>
-      <p:sp>
-        <p:nvSpPr>
-          <p:cNvPr id="3" name="CaixaDeTexto 2"/>
-          <p:cNvSpPr txBox="1"/>
-          <p:nvPr/>
-        </p:nvSpPr>
-        <p:spPr>
-          <a:xfrm>
-            <a:off x="862885" y="2562896"/>
-            <a:ext cx="7055906" cy="1754326"/>
-          </a:xfrm>
-          <a:prstGeom prst="rect">
-            <a:avLst/>
-          </a:prstGeom>
-          <a:noFill/>
-        </p:spPr>
-        <p:txBody>
-          <a:bodyPr wrap="none" rtlCol="0">
-            <a:spAutoFit/>
-          </a:bodyPr>
-          <a:lstStyle/>
-          <a:p>
-            <a:r>
-              <a:rPr lang="pt-BR" dirty="0" smtClean="0"/>
-              <a:t>Agir </a:t>
-            </a:r>
-            <a:r>
-              <a:rPr lang="pt-BR" dirty="0"/>
-              <a:t>com </a:t>
-            </a:r>
-            <a:r>
-              <a:rPr lang="pt-BR" dirty="0" smtClean="0"/>
-              <a:t>o Feedback do cliente</a:t>
-            </a:r>
-            <a:endParaRPr lang="pt-BR" dirty="0"/>
-          </a:p>
-          <a:p>
-            <a:r>
-              <a:rPr lang="pt-BR" dirty="0" smtClean="0"/>
-              <a:t>- Cliente deve saber que seu feedback é importante</a:t>
-            </a:r>
-          </a:p>
-          <a:p>
-            <a:r>
-              <a:rPr lang="pt-BR" dirty="0" smtClean="0"/>
-              <a:t>- Ações </a:t>
-            </a:r>
-            <a:r>
-              <a:rPr lang="pt-BR" dirty="0"/>
-              <a:t>devem ser tomadas com base </a:t>
-            </a:r>
-            <a:r>
-              <a:rPr lang="pt-BR" smtClean="0"/>
-              <a:t>nas avaliações e </a:t>
-            </a:r>
-            <a:r>
-              <a:rPr lang="pt-BR" dirty="0"/>
-              <a:t>feedbacks</a:t>
-            </a:r>
-          </a:p>
-          <a:p>
-            <a:endParaRPr lang="pt-BR" dirty="0" smtClean="0"/>
-          </a:p>
-          <a:p>
-            <a:endParaRPr lang="pt-BR" dirty="0" smtClean="0"/>
-          </a:p>
-          <a:p>
-            <a:r>
-              <a:rPr lang="pt-BR" dirty="0" smtClean="0"/>
-              <a:t>Precisamos conhecer melhor nosso cliente para um melhor atendimento.</a:t>
-            </a:r>
-            <a:endParaRPr lang="pt-BR" dirty="0"/>
-          </a:p>
-        </p:txBody>
-      </p:sp>
-    </p:spTree>
-    <p:extLst>
-      <p:ext uri="{BB962C8B-B14F-4D97-AF65-F5344CB8AC3E}">
-        <p14:creationId xmlns:p14="http://schemas.microsoft.com/office/powerpoint/2010/main" val="478736281"/>
       </p:ext>
     </p:extLst>
   </p:cSld>
@@ -4180,11 +4076,7 @@
             </a:r>
             <a:r>
               <a:rPr lang="pt-BR" sz="2400" dirty="0" smtClean="0"/>
-              <a:t>essas informações da avaliação e do feedback </a:t>
-            </a:r>
-            <a:r>
-              <a:rPr lang="pt-BR" sz="2400" dirty="0" smtClean="0"/>
-              <a:t>podem </a:t>
+              <a:t>essas informações da avaliação e do feedback podem </a:t>
             </a:r>
             <a:r>
               <a:rPr lang="pt-BR" sz="2400" dirty="0"/>
@@ -4318,7 +4210,15 @@
             </a:pPr>
             <a:r>
               <a:rPr lang="pt-BR" sz="2400" dirty="0" smtClean="0"/>
-              <a:t>Ter um formulário de 'Registro de Contato‘ dos feedbacks para os clientes.</a:t>
+              <a:t>Ter um formulário de 'Registro de Contato‘ dos feedbacks </a:t>
+            </a:r>
+            <a:r>
+              <a:rPr lang="pt-BR" sz="2400" dirty="0" smtClean="0"/>
+              <a:t>com </a:t>
+            </a:r>
+            <a:r>
+              <a:rPr lang="pt-BR" sz="2400" dirty="0" smtClean="0"/>
+              <a:t>os clientes.</a:t>
             </a:r>
           </a:p>
           <a:p>

--- a/Apresentação Cesup Rede/Projeto 1.pptx
+++ b/Apresentação Cesup Rede/Projeto 1.pptx
@@ -3268,8 +3268,8 @@
         </p:nvSpPr>
         <p:spPr>
           <a:xfrm>
-            <a:off x="759854" y="1584102"/>
-            <a:ext cx="11151514" cy="4708981"/>
+            <a:off x="746975" y="1674255"/>
+            <a:ext cx="11036355" cy="3785652"/>
           </a:xfrm>
           <a:prstGeom prst="rect">
             <a:avLst/>
@@ -3292,53 +3292,6 @@
             </a:r>
           </a:p>
           <a:p>
-            <a:pPr marL="342900" indent="-342900">
-              <a:buFontTx/>
-              <a:buChar char="-"/>
-            </a:pPr>
-            <a:endParaRPr lang="pt-BR" sz="2000" dirty="0" smtClean="0"/>
-          </a:p>
-          <a:p>
-            <a:pPr marL="342900" indent="-342900">
-              <a:buFontTx/>
-              <a:buChar char="-"/>
-            </a:pPr>
-            <a:r>
-              <a:rPr lang="pt-BR" sz="2000" dirty="0" smtClean="0"/>
-              <a:t>Possibilidade </a:t>
-            </a:r>
-            <a:r>
-              <a:rPr lang="pt-BR" sz="2000" dirty="0" smtClean="0"/>
-              <a:t>dos integrantes da </a:t>
-            </a:r>
-            <a:r>
-              <a:rPr lang="pt-BR" sz="2000" dirty="0" smtClean="0"/>
-              <a:t>equipe, ao atender qualquer cliente, </a:t>
-            </a:r>
-            <a:r>
-              <a:rPr lang="pt-BR" sz="2000" dirty="0" smtClean="0"/>
-              <a:t>saber que aquele cliente, já </a:t>
-            </a:r>
-            <a:r>
-              <a:rPr lang="pt-BR" sz="2000" dirty="0" smtClean="0"/>
-              <a:t>teve</a:t>
-            </a:r>
-          </a:p>
-          <a:p>
-            <a:r>
-              <a:rPr lang="pt-BR" sz="2000" dirty="0" smtClean="0"/>
-              <a:t>alguma</a:t>
-            </a:r>
-            <a:r>
-              <a:rPr lang="pt-BR" sz="2000" dirty="0" smtClean="0"/>
-              <a:t> avaliação ou </a:t>
-            </a:r>
-            <a:r>
-              <a:rPr lang="pt-BR" sz="2000" dirty="0" smtClean="0"/>
-              <a:t>feedback.</a:t>
-            </a:r>
-          </a:p>
-          <a:p>
             <a:endParaRPr lang="pt-BR" sz="2000" dirty="0" smtClean="0"/>
           </a:p>
           <a:p>
@@ -3362,15 +3315,7 @@
             </a:r>
             <a:r>
               <a:rPr lang="pt-BR" sz="2000" dirty="0" smtClean="0"/>
-              <a:t>cliente </a:t>
-            </a:r>
-            <a:r>
-              <a:rPr lang="pt-BR" sz="2000" dirty="0" smtClean="0"/>
-              <a:t>e </a:t>
-            </a:r>
-            <a:r>
-              <a:rPr lang="pt-BR" sz="2000" dirty="0" smtClean="0"/>
-              <a:t>as ações começam</a:t>
+              <a:t>cliente e as ações começam</a:t>
             </a:r>
           </a:p>
           <a:p>
@@ -3382,7 +3327,6 @@
               <a:rPr lang="pt-BR" sz="2000" dirty="0" smtClean="0"/>
               <a:t> ser tomadas com base nas avaliações e feedbacks.</a:t>
             </a:r>
-            <a:endParaRPr lang="pt-BR" sz="2000" dirty="0" smtClean="0"/>
           </a:p>
           <a:p>
             <a:endParaRPr lang="pt-PT" sz="2000" dirty="0" smtClean="0"/>
@@ -3569,8 +3513,8 @@
         </p:nvSpPr>
         <p:spPr>
           <a:xfrm>
-            <a:off x="553792" y="1076325"/>
-            <a:ext cx="11327075" cy="4247317"/>
+            <a:off x="646842" y="947537"/>
+            <a:ext cx="11271034" cy="3139321"/>
           </a:xfrm>
           <a:prstGeom prst="rect">
             <a:avLst/>
@@ -3584,12 +3528,21 @@
           <a:lstStyle/>
           <a:p>
             <a:r>
+              <a:rPr lang="pt-BR" dirty="0"/>
+              <a:t>Quando você envia o NPS, está abrindo um loop (ciclo) que precisará ser fechado de acordo com a resposta do cliente.</a:t>
+            </a:r>
+          </a:p>
+          <a:p>
+            <a:endParaRPr lang="pt-BR" dirty="0" smtClean="0"/>
+          </a:p>
+          <a:p>
+            <a:r>
               <a:rPr lang="pt-BR" dirty="0" smtClean="0"/>
-              <a:t>O </a:t>
+              <a:t>Avaliação feita </a:t>
             </a:r>
             <a:r>
               <a:rPr lang="pt-BR" dirty="0"/>
-              <a:t>NPS é uma metodologia feita para que você consiga fechar o ciclo com o cliente. Isso significa entrar em contato </a:t>
+              <a:t>para que você consiga fechar o ciclo com o cliente. Isso significa entrar em contato </a:t>
             </a:r>
             <a:r>
               <a:rPr lang="pt-BR" dirty="0" smtClean="0"/>
@@ -3625,74 +3578,206 @@
             </a:r>
           </a:p>
           <a:p>
+            <a:endParaRPr lang="pt-BR" dirty="0" smtClean="0"/>
+          </a:p>
+          <a:p>
+            <a:r>
+              <a:rPr lang="pt-BR" dirty="0"/>
+              <a:t>Os feedbacks são essenciais para que a empresa saiba o que pode/deve ser melhorado, </a:t>
+            </a:r>
+          </a:p>
+          <a:p>
             <a:endParaRPr lang="pt-BR" dirty="0"/>
           </a:p>
           <a:p>
-            <a:r>
-              <a:rPr lang="pt-BR" dirty="0"/>
-              <a:t>Serviço -&gt; Avaliação -&gt; Feedback</a:t>
-            </a:r>
+            <a:endParaRPr lang="pt-BR" dirty="0" smtClean="0"/>
+          </a:p>
+          <a:p>
+            <a:endParaRPr lang="pt-BR" b="1" dirty="0"/>
           </a:p>
           <a:p>
             <a:endParaRPr lang="pt-BR" dirty="0"/>
           </a:p>
-          <a:p>
-            <a:endParaRPr lang="pt-BR" dirty="0" smtClean="0"/>
-          </a:p>
-          <a:p>
-            <a:r>
-              <a:rPr lang="pt-BR" dirty="0" smtClean="0"/>
+        </p:txBody>
+      </p:sp>
+      <p:sp>
+        <p:nvSpPr>
+          <p:cNvPr id="4" name="Retângulo 3"/>
+          <p:cNvSpPr/>
+          <p:nvPr/>
+        </p:nvSpPr>
+        <p:spPr>
+          <a:xfrm>
+            <a:off x="553792" y="4377365"/>
+            <a:ext cx="4481848" cy="1624191"/>
+          </a:xfrm>
+          <a:prstGeom prst="rect">
+            <a:avLst/>
+          </a:prstGeom>
+          <a:solidFill>
+            <a:schemeClr val="bg1">
+              <a:lumMod val="95000"/>
+            </a:schemeClr>
+          </a:solidFill>
+        </p:spPr>
+        <p:style>
+          <a:lnRef idx="2">
+            <a:schemeClr val="accent1">
+              <a:shade val="50000"/>
+            </a:schemeClr>
+          </a:lnRef>
+          <a:fillRef idx="1">
+            <a:schemeClr val="accent1"/>
+          </a:fillRef>
+          <a:effectRef idx="0">
+            <a:schemeClr val="accent1"/>
+          </a:effectRef>
+          <a:fontRef idx="minor">
+            <a:schemeClr val="lt1"/>
+          </a:fontRef>
+        </p:style>
+        <p:txBody>
+          <a:bodyPr rtlCol="0" anchor="ctr"/>
+          <a:lstStyle/>
+          <a:p>
+            <a:r>
+              <a:rPr lang="pt-BR" dirty="0">
+                <a:solidFill>
+                  <a:schemeClr val="accent1">
+                    <a:lumMod val="50000"/>
+                  </a:schemeClr>
+                </a:solidFill>
+              </a:rPr>
               <a:t>Promotores</a:t>
             </a:r>
           </a:p>
           <a:p>
             <a:r>
-              <a:rPr lang="pt-BR" b="1" dirty="0" smtClean="0"/>
+              <a:rPr lang="pt-BR" b="1" dirty="0">
+                <a:solidFill>
+                  <a:schemeClr val="accent1">
+                    <a:lumMod val="50000"/>
+                  </a:schemeClr>
+                </a:solidFill>
+              </a:rPr>
               <a:t>Agradeça-os</a:t>
             </a:r>
           </a:p>
           <a:p>
             <a:r>
-              <a:rPr lang="pt-BR" b="1" dirty="0"/>
-              <a:t>Incentive a indicação e testemunhos</a:t>
-            </a:r>
-            <a:r>
-              <a:rPr lang="pt-BR" b="1" dirty="0" smtClean="0"/>
-              <a:t>.</a:t>
-            </a:r>
-          </a:p>
-          <a:p>
-            <a:endParaRPr lang="pt-BR" b="1" dirty="0"/>
-          </a:p>
-          <a:p>
-            <a:r>
-              <a:rPr lang="pt-BR" dirty="0" smtClean="0"/>
+              <a:rPr lang="pt-BR" b="1" dirty="0">
+                <a:solidFill>
+                  <a:schemeClr val="accent1">
+                    <a:lumMod val="50000"/>
+                  </a:schemeClr>
+                </a:solidFill>
+              </a:rPr>
+              <a:t>Incentive a indicação e testemunhos.</a:t>
+            </a:r>
+          </a:p>
+          <a:p>
+            <a:pPr algn="ctr"/>
+            <a:endParaRPr lang="pt-BR" dirty="0">
+              <a:solidFill>
+                <a:schemeClr val="accent1">
+                  <a:lumMod val="50000"/>
+                </a:schemeClr>
+              </a:solidFill>
+            </a:endParaRPr>
+          </a:p>
+        </p:txBody>
+      </p:sp>
+      <p:sp>
+        <p:nvSpPr>
+          <p:cNvPr id="5" name="Retângulo 4"/>
+          <p:cNvSpPr/>
+          <p:nvPr/>
+        </p:nvSpPr>
+        <p:spPr>
+          <a:xfrm>
+            <a:off x="5780469" y="4377365"/>
+            <a:ext cx="4481848" cy="1624191"/>
+          </a:xfrm>
+          <a:prstGeom prst="rect">
+            <a:avLst/>
+          </a:prstGeom>
+          <a:solidFill>
+            <a:schemeClr val="bg1">
+              <a:lumMod val="95000"/>
+            </a:schemeClr>
+          </a:solidFill>
+        </p:spPr>
+        <p:style>
+          <a:lnRef idx="2">
+            <a:schemeClr val="accent1">
+              <a:shade val="50000"/>
+            </a:schemeClr>
+          </a:lnRef>
+          <a:fillRef idx="1">
+            <a:schemeClr val="accent1"/>
+          </a:fillRef>
+          <a:effectRef idx="0">
+            <a:schemeClr val="accent1"/>
+          </a:effectRef>
+          <a:fontRef idx="minor">
+            <a:schemeClr val="lt1"/>
+          </a:fontRef>
+        </p:style>
+        <p:txBody>
+          <a:bodyPr rtlCol="0" anchor="ctr"/>
+          <a:lstStyle/>
+          <a:p>
+            <a:r>
+              <a:rPr lang="pt-BR" dirty="0">
+                <a:solidFill>
+                  <a:schemeClr val="accent1">
+                    <a:lumMod val="50000"/>
+                  </a:schemeClr>
+                </a:solidFill>
+              </a:rPr>
               <a:t>Neutros e Detratores</a:t>
             </a:r>
           </a:p>
           <a:p>
             <a:r>
-              <a:rPr lang="pt-BR" b="1" dirty="0"/>
-              <a:t>Levante informações sobre o que pode ter causado a </a:t>
-            </a:r>
-            <a:r>
-              <a:rPr lang="pt-BR" b="1" dirty="0" smtClean="0"/>
-              <a:t>insatisfação</a:t>
-            </a:r>
-          </a:p>
-          <a:p>
-            <a:r>
-              <a:rPr lang="pt-BR" b="1" dirty="0" smtClean="0"/>
-              <a:t>Estabeleça </a:t>
-            </a:r>
-            <a:r>
-              <a:rPr lang="pt-BR" b="1" dirty="0"/>
-              <a:t>um compromisso para melhorar</a:t>
-            </a:r>
-            <a:endParaRPr lang="pt-BR" dirty="0"/>
-          </a:p>
-          <a:p>
-            <a:endParaRPr lang="pt-BR" dirty="0"/>
+              <a:rPr lang="pt-BR" b="1" dirty="0">
+                <a:solidFill>
+                  <a:schemeClr val="accent1">
+                    <a:lumMod val="50000"/>
+                  </a:schemeClr>
+                </a:solidFill>
+              </a:rPr>
+              <a:t>Levante informações sobre o que pode ter causado a insatisfação</a:t>
+            </a:r>
+          </a:p>
+          <a:p>
+            <a:r>
+              <a:rPr lang="pt-BR" b="1" dirty="0">
+                <a:solidFill>
+                  <a:schemeClr val="accent1">
+                    <a:lumMod val="50000"/>
+                  </a:schemeClr>
+                </a:solidFill>
+              </a:rPr>
+              <a:t>Estabeleça um compromisso para melhorar</a:t>
+            </a:r>
+            <a:endParaRPr lang="pt-BR" dirty="0">
+              <a:solidFill>
+                <a:schemeClr val="accent1">
+                  <a:lumMod val="50000"/>
+                </a:schemeClr>
+              </a:solidFill>
+            </a:endParaRPr>
+          </a:p>
+          <a:p>
+            <a:pPr algn="ctr"/>
+            <a:endParaRPr lang="pt-BR" dirty="0">
+              <a:solidFill>
+                <a:schemeClr val="accent1">
+                  <a:lumMod val="50000"/>
+                </a:schemeClr>
+              </a:solidFill>
+            </a:endParaRPr>
           </a:p>
         </p:txBody>
       </p:sp>
@@ -3805,16 +3890,46 @@
           </a:p>
         </p:txBody>
       </p:sp>
-      <p:sp>
-        <p:nvSpPr>
-          <p:cNvPr id="3" name="CaixaDeTexto 2"/>
+      <p:pic>
+        <p:nvPicPr>
+          <p:cNvPr id="4" name="Imagem 3"/>
+          <p:cNvPicPr>
+            <a:picLocks noChangeAspect="1"/>
+          </p:cNvPicPr>
+          <p:nvPr/>
+        </p:nvPicPr>
+        <p:blipFill>
+          <a:blip r:embed="rId2" cstate="print">
+            <a:extLst>
+              <a:ext uri="{28A0092B-C50C-407E-A947-70E740481C1C}">
+                <a14:useLocalDpi xmlns:a14="http://schemas.microsoft.com/office/drawing/2010/main" val="0"/>
+              </a:ext>
+            </a:extLst>
+          </a:blip>
+          <a:stretch>
+            <a:fillRect/>
+          </a:stretch>
+        </p:blipFill>
+        <p:spPr>
+          <a:xfrm>
+            <a:off x="1950661" y="2523411"/>
+            <a:ext cx="2601880" cy="2529476"/>
+          </a:xfrm>
+          <a:prstGeom prst="rect">
+            <a:avLst/>
+          </a:prstGeom>
+        </p:spPr>
+      </p:pic>
+      <p:sp>
+        <p:nvSpPr>
+          <p:cNvPr id="5" name="CaixaDeTexto 4"/>
           <p:cNvSpPr txBox="1"/>
           <p:nvPr/>
         </p:nvSpPr>
         <p:spPr>
           <a:xfrm>
-            <a:off x="553792" y="1076325"/>
-            <a:ext cx="9339160" cy="2031325"/>
+            <a:off x="2820132" y="1269861"/>
+            <a:ext cx="958276" cy="400110"/>
           </a:xfrm>
           <a:prstGeom prst="rect">
             <a:avLst/>
@@ -3828,63 +3943,504 @@
           <a:lstStyle/>
           <a:p>
             <a:r>
+              <a:rPr lang="pt-BR" sz="2000" b="1" dirty="0" smtClean="0">
+                <a:solidFill>
+                  <a:schemeClr val="accent1">
+                    <a:lumMod val="50000"/>
+                  </a:schemeClr>
+                </a:solidFill>
+              </a:rPr>
+              <a:t>Serviço</a:t>
+            </a:r>
+            <a:endParaRPr lang="pt-BR" sz="2000" b="1" dirty="0">
+              <a:solidFill>
+                <a:schemeClr val="accent1">
+                  <a:lumMod val="50000"/>
+                </a:schemeClr>
+              </a:solidFill>
+            </a:endParaRPr>
+          </a:p>
+        </p:txBody>
+      </p:sp>
+      <p:sp>
+        <p:nvSpPr>
+          <p:cNvPr id="6" name="CaixaDeTexto 5"/>
+          <p:cNvSpPr txBox="1"/>
+          <p:nvPr/>
+        </p:nvSpPr>
+        <p:spPr>
+          <a:xfrm>
+            <a:off x="820560" y="2914562"/>
+            <a:ext cx="1200650" cy="400110"/>
+          </a:xfrm>
+          <a:prstGeom prst="rect">
+            <a:avLst/>
+          </a:prstGeom>
+          <a:noFill/>
+        </p:spPr>
+        <p:txBody>
+          <a:bodyPr wrap="none" rtlCol="0">
+            <a:spAutoFit/>
+          </a:bodyPr>
+          <a:lstStyle/>
+          <a:p>
+            <a:r>
+              <a:rPr lang="pt-BR" sz="2000" b="1" dirty="0" smtClean="0">
+                <a:solidFill>
+                  <a:schemeClr val="accent1">
+                    <a:lumMod val="50000"/>
+                  </a:schemeClr>
+                </a:solidFill>
+              </a:rPr>
+              <a:t>Avaliação</a:t>
+            </a:r>
+            <a:endParaRPr lang="pt-BR" sz="2000" b="1" dirty="0">
+              <a:solidFill>
+                <a:schemeClr val="accent1">
+                  <a:lumMod val="50000"/>
+                </a:schemeClr>
+              </a:solidFill>
+            </a:endParaRPr>
+          </a:p>
+        </p:txBody>
+      </p:sp>
+      <p:sp>
+        <p:nvSpPr>
+          <p:cNvPr id="7" name="CaixaDeTexto 6"/>
+          <p:cNvSpPr txBox="1"/>
+          <p:nvPr/>
+        </p:nvSpPr>
+        <p:spPr>
+          <a:xfrm>
+            <a:off x="2714318" y="5994682"/>
+            <a:ext cx="962123" cy="400110"/>
+          </a:xfrm>
+          <a:prstGeom prst="rect">
+            <a:avLst/>
+          </a:prstGeom>
+          <a:noFill/>
+        </p:spPr>
+        <p:txBody>
+          <a:bodyPr wrap="none" rtlCol="0">
+            <a:spAutoFit/>
+          </a:bodyPr>
+          <a:lstStyle/>
+          <a:p>
+            <a:r>
+              <a:rPr lang="pt-BR" sz="2000" b="1" dirty="0" smtClean="0">
+                <a:solidFill>
+                  <a:schemeClr val="accent1">
+                    <a:lumMod val="50000"/>
+                  </a:schemeClr>
+                </a:solidFill>
+              </a:rPr>
+              <a:t>Análise</a:t>
+            </a:r>
+            <a:endParaRPr lang="pt-BR" sz="2000" b="1" dirty="0">
+              <a:solidFill>
+                <a:schemeClr val="accent1">
+                  <a:lumMod val="50000"/>
+                </a:schemeClr>
+              </a:solidFill>
+            </a:endParaRPr>
+          </a:p>
+        </p:txBody>
+      </p:sp>
+      <p:sp>
+        <p:nvSpPr>
+          <p:cNvPr id="8" name="CaixaDeTexto 7"/>
+          <p:cNvSpPr txBox="1"/>
+          <p:nvPr/>
+        </p:nvSpPr>
+        <p:spPr>
+          <a:xfrm>
+            <a:off x="4584334" y="2940320"/>
+            <a:ext cx="1190775" cy="400110"/>
+          </a:xfrm>
+          <a:prstGeom prst="rect">
+            <a:avLst/>
+          </a:prstGeom>
+          <a:noFill/>
+        </p:spPr>
+        <p:txBody>
+          <a:bodyPr wrap="none" rtlCol="0">
+            <a:spAutoFit/>
+          </a:bodyPr>
+          <a:lstStyle/>
+          <a:p>
+            <a:r>
+              <a:rPr lang="pt-BR" sz="2000" b="1" dirty="0" smtClean="0">
+                <a:solidFill>
+                  <a:schemeClr val="accent1">
+                    <a:lumMod val="50000"/>
+                  </a:schemeClr>
+                </a:solidFill>
+              </a:rPr>
+              <a:t>Feedback</a:t>
+            </a:r>
+            <a:endParaRPr lang="pt-BR" sz="2000" b="1" dirty="0">
+              <a:solidFill>
+                <a:schemeClr val="accent1">
+                  <a:lumMod val="50000"/>
+                </a:schemeClr>
+              </a:solidFill>
+            </a:endParaRPr>
+          </a:p>
+        </p:txBody>
+      </p:sp>
+      <p:sp>
+        <p:nvSpPr>
+          <p:cNvPr id="9" name="Retângulo de cantos arredondados 8"/>
+          <p:cNvSpPr/>
+          <p:nvPr/>
+        </p:nvSpPr>
+        <p:spPr>
+          <a:xfrm>
+            <a:off x="6956439" y="612685"/>
+            <a:ext cx="4082602" cy="901521"/>
+          </a:xfrm>
+          <a:prstGeom prst="roundRect">
+            <a:avLst/>
+          </a:prstGeom>
+        </p:spPr>
+        <p:style>
+          <a:lnRef idx="2">
+            <a:schemeClr val="accent1">
+              <a:shade val="50000"/>
+            </a:schemeClr>
+          </a:lnRef>
+          <a:fillRef idx="1">
+            <a:schemeClr val="accent1"/>
+          </a:fillRef>
+          <a:effectRef idx="0">
+            <a:schemeClr val="accent1"/>
+          </a:effectRef>
+          <a:fontRef idx="minor">
+            <a:schemeClr val="lt1"/>
+          </a:fontRef>
+        </p:style>
+        <p:txBody>
+          <a:bodyPr rtlCol="0" anchor="ctr"/>
+          <a:lstStyle/>
+          <a:p>
+            <a:pPr algn="ctr"/>
+            <a:r>
+              <a:rPr lang="pt-BR" dirty="0" smtClean="0">
+                <a:solidFill>
+                  <a:srgbClr val="FFFF00"/>
+                </a:solidFill>
+              </a:rPr>
+              <a:t>Serviço:</a:t>
+            </a:r>
+          </a:p>
+          <a:p>
+            <a:pPr algn="ctr"/>
+            <a:r>
+              <a:rPr lang="pt-BR" sz="1600" dirty="0" smtClean="0"/>
+              <a:t>Solicitação e Conclusão da Demanda SCAP</a:t>
+            </a:r>
+          </a:p>
+        </p:txBody>
+      </p:sp>
+      <p:sp>
+        <p:nvSpPr>
+          <p:cNvPr id="10" name="Retângulo de cantos arredondados 9"/>
+          <p:cNvSpPr/>
+          <p:nvPr/>
+        </p:nvSpPr>
+        <p:spPr>
+          <a:xfrm>
+            <a:off x="6956439" y="1905121"/>
+            <a:ext cx="4082602" cy="926260"/>
+          </a:xfrm>
+          <a:prstGeom prst="roundRect">
+            <a:avLst/>
+          </a:prstGeom>
+        </p:spPr>
+        <p:style>
+          <a:lnRef idx="2">
+            <a:schemeClr val="accent1">
+              <a:shade val="50000"/>
+            </a:schemeClr>
+          </a:lnRef>
+          <a:fillRef idx="1">
+            <a:schemeClr val="accent1"/>
+          </a:fillRef>
+          <a:effectRef idx="0">
+            <a:schemeClr val="accent1"/>
+          </a:effectRef>
+          <a:fontRef idx="minor">
+            <a:schemeClr val="lt1"/>
+          </a:fontRef>
+        </p:style>
+        <p:txBody>
+          <a:bodyPr rtlCol="0" anchor="ctr"/>
+          <a:lstStyle/>
+          <a:p>
+            <a:pPr algn="ctr"/>
+            <a:r>
+              <a:rPr lang="pt-BR" dirty="0" smtClean="0">
+                <a:solidFill>
+                  <a:srgbClr val="FFFF00"/>
+                </a:solidFill>
+              </a:rPr>
+              <a:t>Avaliação:</a:t>
+            </a:r>
+          </a:p>
+          <a:p>
+            <a:pPr algn="ctr"/>
+            <a:r>
+              <a:rPr lang="pt-BR" sz="1600" dirty="0" smtClean="0"/>
+              <a:t>Envio de </a:t>
+            </a:r>
+            <a:r>
+              <a:rPr lang="pt-BR" sz="1600" dirty="0" err="1" smtClean="0"/>
+              <a:t>email</a:t>
+            </a:r>
+            <a:r>
+              <a:rPr lang="pt-BR" sz="1600" dirty="0" smtClean="0"/>
+              <a:t> e interface para avaliação </a:t>
+            </a:r>
+          </a:p>
+        </p:txBody>
+      </p:sp>
+      <p:sp>
+        <p:nvSpPr>
+          <p:cNvPr id="11" name="Retângulo de cantos arredondados 10"/>
+          <p:cNvSpPr/>
+          <p:nvPr/>
+        </p:nvSpPr>
+        <p:spPr>
+          <a:xfrm>
+            <a:off x="6956439" y="3196539"/>
+            <a:ext cx="4082602" cy="1105945"/>
+          </a:xfrm>
+          <a:prstGeom prst="roundRect">
+            <a:avLst/>
+          </a:prstGeom>
+        </p:spPr>
+        <p:style>
+          <a:lnRef idx="2">
+            <a:schemeClr val="accent1">
+              <a:shade val="50000"/>
+            </a:schemeClr>
+          </a:lnRef>
+          <a:fillRef idx="1">
+            <a:schemeClr val="accent1"/>
+          </a:fillRef>
+          <a:effectRef idx="0">
+            <a:schemeClr val="accent1"/>
+          </a:effectRef>
+          <a:fontRef idx="minor">
+            <a:schemeClr val="lt1"/>
+          </a:fontRef>
+        </p:style>
+        <p:txBody>
+          <a:bodyPr rtlCol="0" anchor="ctr"/>
+          <a:lstStyle/>
+          <a:p>
+            <a:pPr algn="ctr"/>
+            <a:r>
+              <a:rPr lang="pt-BR" dirty="0" smtClean="0">
+                <a:solidFill>
+                  <a:srgbClr val="FFFF00"/>
+                </a:solidFill>
+              </a:rPr>
+              <a:t>Análise:</a:t>
+            </a:r>
+          </a:p>
+          <a:p>
+            <a:pPr algn="ctr"/>
+            <a:r>
+              <a:rPr lang="pt-BR" sz="1600" dirty="0" err="1" smtClean="0"/>
+              <a:t>Dashboard</a:t>
+            </a:r>
+            <a:r>
+              <a:rPr lang="pt-BR" sz="1600" dirty="0" smtClean="0"/>
+              <a:t> com dados para </a:t>
+            </a:r>
+            <a:r>
+              <a:rPr lang="pt-BR" sz="1600" dirty="0"/>
+              <a:t>obter uma média do nível de satisfação </a:t>
+            </a:r>
+            <a:r>
+              <a:rPr lang="pt-BR" sz="1600" dirty="0" smtClean="0"/>
+              <a:t>dos clientes</a:t>
+            </a:r>
+          </a:p>
+        </p:txBody>
+      </p:sp>
+      <p:sp>
+        <p:nvSpPr>
+          <p:cNvPr id="12" name="Retângulo de cantos arredondados 11"/>
+          <p:cNvSpPr/>
+          <p:nvPr/>
+        </p:nvSpPr>
+        <p:spPr>
+          <a:xfrm>
+            <a:off x="6956439" y="4641883"/>
+            <a:ext cx="4082602" cy="1488459"/>
+          </a:xfrm>
+          <a:prstGeom prst="roundRect">
+            <a:avLst/>
+          </a:prstGeom>
+        </p:spPr>
+        <p:style>
+          <a:lnRef idx="2">
+            <a:schemeClr val="accent1">
+              <a:shade val="50000"/>
+            </a:schemeClr>
+          </a:lnRef>
+          <a:fillRef idx="1">
+            <a:schemeClr val="accent1"/>
+          </a:fillRef>
+          <a:effectRef idx="0">
+            <a:schemeClr val="accent1"/>
+          </a:effectRef>
+          <a:fontRef idx="minor">
+            <a:schemeClr val="lt1"/>
+          </a:fontRef>
+        </p:style>
+        <p:txBody>
+          <a:bodyPr rtlCol="0" anchor="ctr"/>
+          <a:lstStyle/>
+          <a:p>
+            <a:pPr algn="ctr"/>
+            <a:r>
+              <a:rPr lang="pt-BR" dirty="0" smtClean="0">
+                <a:solidFill>
+                  <a:srgbClr val="FFFF00"/>
+                </a:solidFill>
+              </a:rPr>
+              <a:t>Feedback:</a:t>
+            </a:r>
+          </a:p>
+          <a:p>
+            <a:pPr algn="ctr"/>
+            <a:r>
               <a:rPr lang="pt-BR" dirty="0" smtClean="0"/>
-              <a:t>Cliente -&gt; Gerencial -&gt; Atendente</a:t>
-            </a:r>
-          </a:p>
-          <a:p>
+              <a:t>Registro </a:t>
+            </a:r>
             <a:r>
               <a:rPr lang="pt-BR" dirty="0"/>
-              <a:t>	</a:t>
-            </a:r>
+              <a:t>de feedbacks??? </a:t>
+            </a:r>
+            <a:endParaRPr lang="pt-BR" dirty="0" smtClean="0"/>
+          </a:p>
+          <a:p>
+            <a:pPr algn="ctr"/>
             <a:r>
               <a:rPr lang="pt-BR" dirty="0" smtClean="0"/>
-              <a:t>Serviço</a:t>
-            </a:r>
-          </a:p>
-          <a:p>
+              <a:t>Informações </a:t>
+            </a:r>
+            <a:r>
+              <a:rPr lang="pt-BR" dirty="0"/>
+              <a:t>para melhorar no próximo atendimento</a:t>
+            </a:r>
+            <a:r>
+              <a:rPr lang="pt-BR" dirty="0" smtClean="0"/>
+              <a:t>???</a:t>
+            </a:r>
             <a:endParaRPr lang="pt-BR" dirty="0"/>
           </a:p>
-          <a:p>
-            <a:r>
-              <a:rPr lang="pt-BR" dirty="0" smtClean="0"/>
-              <a:t>Cliente: Recebe um </a:t>
-            </a:r>
-            <a:r>
-              <a:rPr lang="pt-BR" dirty="0" err="1" smtClean="0"/>
-              <a:t>email</a:t>
-            </a:r>
-            <a:r>
-              <a:rPr lang="pt-BR" dirty="0" smtClean="0"/>
-              <a:t> de avaliação e uma interface para avaliar</a:t>
-            </a:r>
-          </a:p>
-          <a:p>
-            <a:r>
-              <a:rPr lang="pt-BR" dirty="0" smtClean="0"/>
-              <a:t>Gerentes: </a:t>
-            </a:r>
-            <a:r>
-              <a:rPr lang="pt-BR" dirty="0" err="1" smtClean="0"/>
-              <a:t>Dashboards</a:t>
-            </a:r>
-            <a:r>
-              <a:rPr lang="pt-BR" dirty="0" smtClean="0"/>
-              <a:t> para saber como anda as avaliações e notas</a:t>
-            </a:r>
-          </a:p>
-          <a:p>
-            <a:r>
-              <a:rPr lang="pt-BR" dirty="0" smtClean="0"/>
-              <a:t>Atendente: ??? Registro de feedbacks??? Informações para melhorar no próximo atendimento???</a:t>
-            </a:r>
-            <a:endParaRPr lang="pt-BR" dirty="0"/>
-          </a:p>
-          <a:p>
-            <a:endParaRPr lang="pt-BR" dirty="0"/>
-          </a:p>
-        </p:txBody>
-      </p:sp>
+        </p:txBody>
+      </p:sp>
+      <p:pic>
+        <p:nvPicPr>
+          <p:cNvPr id="13" name="Imagem 12"/>
+          <p:cNvPicPr>
+            <a:picLocks noChangeAspect="1"/>
+          </p:cNvPicPr>
+          <p:nvPr/>
+        </p:nvPicPr>
+        <p:blipFill>
+          <a:blip r:embed="rId3"/>
+          <a:stretch>
+            <a:fillRect/>
+          </a:stretch>
+        </p:blipFill>
+        <p:spPr>
+          <a:xfrm>
+            <a:off x="2832668" y="1683709"/>
+            <a:ext cx="830172" cy="774456"/>
+          </a:xfrm>
+          <a:prstGeom prst="rect">
+            <a:avLst/>
+          </a:prstGeom>
+        </p:spPr>
+      </p:pic>
+      <p:pic>
+        <p:nvPicPr>
+          <p:cNvPr id="14" name="Imagem 13"/>
+          <p:cNvPicPr>
+            <a:picLocks noChangeAspect="1"/>
+          </p:cNvPicPr>
+          <p:nvPr/>
+        </p:nvPicPr>
+        <p:blipFill>
+          <a:blip r:embed="rId4"/>
+          <a:stretch>
+            <a:fillRect/>
+          </a:stretch>
+        </p:blipFill>
+        <p:spPr>
+          <a:xfrm>
+            <a:off x="928658" y="3332664"/>
+            <a:ext cx="821327" cy="775697"/>
+          </a:xfrm>
+          <a:prstGeom prst="rect">
+            <a:avLst/>
+          </a:prstGeom>
+        </p:spPr>
+      </p:pic>
+      <p:pic>
+        <p:nvPicPr>
+          <p:cNvPr id="15" name="Imagem 14"/>
+          <p:cNvPicPr>
+            <a:picLocks noChangeAspect="1"/>
+          </p:cNvPicPr>
+          <p:nvPr/>
+        </p:nvPicPr>
+        <p:blipFill>
+          <a:blip r:embed="rId5"/>
+          <a:stretch>
+            <a:fillRect/>
+          </a:stretch>
+        </p:blipFill>
+        <p:spPr>
+          <a:xfrm>
+            <a:off x="4717182" y="3362488"/>
+            <a:ext cx="925080" cy="901360"/>
+          </a:xfrm>
+          <a:prstGeom prst="rect">
+            <a:avLst/>
+          </a:prstGeom>
+        </p:spPr>
+      </p:pic>
+      <p:pic>
+        <p:nvPicPr>
+          <p:cNvPr id="16" name="Imagem 15"/>
+          <p:cNvPicPr>
+            <a:picLocks noChangeAspect="1"/>
+          </p:cNvPicPr>
+          <p:nvPr/>
+        </p:nvPicPr>
+        <p:blipFill>
+          <a:blip r:embed="rId6"/>
+          <a:stretch>
+            <a:fillRect/>
+          </a:stretch>
+        </p:blipFill>
+        <p:spPr>
+          <a:xfrm>
+            <a:off x="2766692" y="5118133"/>
+            <a:ext cx="857377" cy="875116"/>
+          </a:xfrm>
+          <a:prstGeom prst="rect">
+            <a:avLst/>
+          </a:prstGeom>
+        </p:spPr>
+      </p:pic>
     </p:spTree>
     <p:extLst>
       <p:ext uri="{BB962C8B-B14F-4D97-AF65-F5344CB8AC3E}">
@@ -4018,7 +4574,7 @@
         </p:nvSpPr>
         <p:spPr>
           <a:xfrm>
-            <a:off x="1192432" y="2008691"/>
+            <a:off x="1063642" y="2188997"/>
             <a:ext cx="9648423" cy="2677656"/>
           </a:xfrm>
           <a:prstGeom prst="rect">
@@ -4190,7 +4746,7 @@
         </p:nvSpPr>
         <p:spPr>
           <a:xfrm>
-            <a:off x="888642" y="2485621"/>
+            <a:off x="888642" y="2550016"/>
             <a:ext cx="10619895" cy="1569660"/>
           </a:xfrm>
           <a:prstGeom prst="rect">
@@ -4210,15 +4766,7 @@
             </a:pPr>
             <a:r>
               <a:rPr lang="pt-BR" sz="2400" dirty="0" smtClean="0"/>
-              <a:t>Ter um formulário de 'Registro de Contato‘ dos feedbacks </a:t>
-            </a:r>
-            <a:r>
-              <a:rPr lang="pt-BR" sz="2400" dirty="0" smtClean="0"/>
-              <a:t>com </a:t>
-            </a:r>
-            <a:r>
-              <a:rPr lang="pt-BR" sz="2400" dirty="0" smtClean="0"/>
-              <a:t>os clientes.</a:t>
+              <a:t>Ter um formulário de 'Registro de Contato‘ dos feedbacks com os clientes.</a:t>
             </a:r>
           </a:p>
           <a:p>

--- a/Apresentação Cesup Rede/Projeto 1.pptx
+++ b/Apresentação Cesup Rede/Projeto 1.pptx
@@ -252,7 +252,7 @@
           <a:p>
             <a:fld id="{451DA068-CB82-4A13-8DD8-5B6FC800C9FB}" type="datetimeFigureOut">
               <a:rPr lang="pt-BR" smtClean="0"/>
-              <a:t>14/11/2020</a:t>
+              <a:t>15/11/2020</a:t>
             </a:fld>
             <a:endParaRPr lang="pt-BR"/>
           </a:p>
@@ -422,7 +422,7 @@
           <a:p>
             <a:fld id="{451DA068-CB82-4A13-8DD8-5B6FC800C9FB}" type="datetimeFigureOut">
               <a:rPr lang="pt-BR" smtClean="0"/>
-              <a:t>14/11/2020</a:t>
+              <a:t>15/11/2020</a:t>
             </a:fld>
             <a:endParaRPr lang="pt-BR"/>
           </a:p>
@@ -602,7 +602,7 @@
           <a:p>
             <a:fld id="{451DA068-CB82-4A13-8DD8-5B6FC800C9FB}" type="datetimeFigureOut">
               <a:rPr lang="pt-BR" smtClean="0"/>
-              <a:t>14/11/2020</a:t>
+              <a:t>15/11/2020</a:t>
             </a:fld>
             <a:endParaRPr lang="pt-BR"/>
           </a:p>
@@ -899,7 +899,7 @@
           <a:p>
             <a:fld id="{451DA068-CB82-4A13-8DD8-5B6FC800C9FB}" type="datetimeFigureOut">
               <a:rPr lang="pt-BR" smtClean="0"/>
-              <a:t>14/11/2020</a:t>
+              <a:t>15/11/2020</a:t>
             </a:fld>
             <a:endParaRPr lang="pt-BR"/>
           </a:p>
@@ -1145,7 +1145,7 @@
           <a:p>
             <a:fld id="{451DA068-CB82-4A13-8DD8-5B6FC800C9FB}" type="datetimeFigureOut">
               <a:rPr lang="pt-BR" smtClean="0"/>
-              <a:t>14/11/2020</a:t>
+              <a:t>15/11/2020</a:t>
             </a:fld>
             <a:endParaRPr lang="pt-BR"/>
           </a:p>
@@ -1377,7 +1377,7 @@
           <a:p>
             <a:fld id="{451DA068-CB82-4A13-8DD8-5B6FC800C9FB}" type="datetimeFigureOut">
               <a:rPr lang="pt-BR" smtClean="0"/>
-              <a:t>14/11/2020</a:t>
+              <a:t>15/11/2020</a:t>
             </a:fld>
             <a:endParaRPr lang="pt-BR"/>
           </a:p>
@@ -1744,7 +1744,7 @@
           <a:p>
             <a:fld id="{451DA068-CB82-4A13-8DD8-5B6FC800C9FB}" type="datetimeFigureOut">
               <a:rPr lang="pt-BR" smtClean="0"/>
-              <a:t>14/11/2020</a:t>
+              <a:t>15/11/2020</a:t>
             </a:fld>
             <a:endParaRPr lang="pt-BR"/>
           </a:p>
@@ -1862,7 +1862,7 @@
           <a:p>
             <a:fld id="{451DA068-CB82-4A13-8DD8-5B6FC800C9FB}" type="datetimeFigureOut">
               <a:rPr lang="pt-BR" smtClean="0"/>
-              <a:t>14/11/2020</a:t>
+              <a:t>15/11/2020</a:t>
             </a:fld>
             <a:endParaRPr lang="pt-BR"/>
           </a:p>
@@ -1957,7 +1957,7 @@
           <a:p>
             <a:fld id="{451DA068-CB82-4A13-8DD8-5B6FC800C9FB}" type="datetimeFigureOut">
               <a:rPr lang="pt-BR" smtClean="0"/>
-              <a:t>14/11/2020</a:t>
+              <a:t>15/11/2020</a:t>
             </a:fld>
             <a:endParaRPr lang="pt-BR"/>
           </a:p>
@@ -2234,7 +2234,7 @@
           <a:p>
             <a:fld id="{451DA068-CB82-4A13-8DD8-5B6FC800C9FB}" type="datetimeFigureOut">
               <a:rPr lang="pt-BR" smtClean="0"/>
-              <a:t>14/11/2020</a:t>
+              <a:t>15/11/2020</a:t>
             </a:fld>
             <a:endParaRPr lang="pt-BR"/>
           </a:p>
@@ -2487,7 +2487,7 @@
           <a:p>
             <a:fld id="{451DA068-CB82-4A13-8DD8-5B6FC800C9FB}" type="datetimeFigureOut">
               <a:rPr lang="pt-BR" smtClean="0"/>
-              <a:t>14/11/2020</a:t>
+              <a:t>15/11/2020</a:t>
             </a:fld>
             <a:endParaRPr lang="pt-BR"/>
           </a:p>
@@ -2700,7 +2700,7 @@
           <a:p>
             <a:fld id="{451DA068-CB82-4A13-8DD8-5B6FC800C9FB}" type="datetimeFigureOut">
               <a:rPr lang="pt-BR" smtClean="0"/>
-              <a:t>14/11/2020</a:t>
+              <a:t>15/11/2020</a:t>
             </a:fld>
             <a:endParaRPr lang="pt-BR"/>
           </a:p>
@@ -3315,7 +3315,11 @@
             </a:r>
             <a:r>
               <a:rPr lang="pt-BR" sz="2000" dirty="0" smtClean="0"/>
-              <a:t>cliente e as ações começam</a:t>
+              <a:t>cliente, </a:t>
+            </a:r>
+            <a:r>
+              <a:rPr lang="pt-BR" sz="2000" dirty="0" smtClean="0"/>
+              <a:t>e as ações começam</a:t>
             </a:r>
           </a:p>
           <a:p>
@@ -3513,8 +3517,8 @@
         </p:nvSpPr>
         <p:spPr>
           <a:xfrm>
-            <a:off x="646842" y="947537"/>
-            <a:ext cx="11271034" cy="3139321"/>
+            <a:off x="553792" y="1187604"/>
+            <a:ext cx="11464100" cy="3970318"/>
           </a:xfrm>
           <a:prstGeom prst="rect">
             <a:avLst/>
@@ -3529,40 +3533,87 @@
           <a:p>
             <a:r>
               <a:rPr lang="pt-BR" dirty="0"/>
-              <a:t>Quando você envia o NPS, está abrindo um loop (ciclo) que precisará ser fechado de acordo com a resposta do cliente.</a:t>
-            </a:r>
-          </a:p>
-          <a:p>
+              <a:t>Quando você envia </a:t>
+            </a:r>
+            <a:r>
+              <a:rPr lang="pt-BR" dirty="0" smtClean="0"/>
+              <a:t>uma avaliação, </a:t>
+            </a:r>
+            <a:r>
+              <a:rPr lang="pt-BR" dirty="0"/>
+              <a:t>está abrindo um loop (ciclo) que precisará ser fechado de acordo com a resposta </a:t>
+            </a:r>
             <a:endParaRPr lang="pt-BR" dirty="0" smtClean="0"/>
           </a:p>
           <a:p>
             <a:r>
               <a:rPr lang="pt-BR" dirty="0" smtClean="0"/>
-              <a:t>Avaliação feita </a:t>
+              <a:t>do </a:t>
             </a:r>
             <a:r>
               <a:rPr lang="pt-BR" dirty="0"/>
-              <a:t>para que você consiga fechar o ciclo com o cliente. Isso significa entrar em contato </a:t>
+              <a:t>cliente.</a:t>
+            </a:r>
+          </a:p>
+          <a:p>
+            <a:endParaRPr lang="pt-PT" dirty="0" smtClean="0"/>
+          </a:p>
+          <a:p>
+            <a:r>
+              <a:rPr lang="pt-BR" dirty="0"/>
+              <a:t>Busque entrar em </a:t>
             </a:r>
             <a:r>
               <a:rPr lang="pt-BR" dirty="0" smtClean="0"/>
-              <a:t>com</a:t>
-            </a:r>
+              <a:t>contato de forma humanizada</a:t>
+            </a:r>
+            <a:r>
+              <a:rPr lang="pt-BR" dirty="0"/>
+              <a:t> com cada cliente que respondeu essa questão e, principalmente, tente </a:t>
+            </a:r>
+            <a:endParaRPr lang="pt-BR" dirty="0" smtClean="0"/>
           </a:p>
           <a:p>
             <a:r>
               <a:rPr lang="pt-BR" dirty="0" smtClean="0"/>
-              <a:t>ele </a:t>
+              <a:t>atender </a:t>
             </a:r>
             <a:r>
               <a:rPr lang="pt-BR" dirty="0"/>
-              <a:t>sempre após o feedback dado.</a:t>
-            </a:r>
+              <a:t>suas </a:t>
+            </a:r>
+            <a:r>
+              <a:rPr lang="pt-BR" dirty="0" smtClean="0"/>
+              <a:t>demandas.</a:t>
+            </a:r>
+            <a:endParaRPr lang="pt-BR" dirty="0"/>
           </a:p>
           <a:p>
             <a:r>
               <a:rPr lang="pt-BR" dirty="0"/>
-              <a:t>Seja para solucionar o problema constatado pelos Detratores e </a:t>
+              <a:t>Seus clientes precisam saber que o feedback foi importante, e ele deve servir como base para novas </a:t>
+            </a:r>
+            <a:r>
+              <a:rPr lang="pt-BR" dirty="0" smtClean="0"/>
+              <a:t>ações</a:t>
+            </a:r>
+            <a:r>
+              <a:rPr lang="pt-BR" dirty="0"/>
+              <a:t>.</a:t>
+            </a:r>
+            <a:endParaRPr lang="pt-BR" dirty="0" smtClean="0"/>
+          </a:p>
+          <a:p>
+            <a:endParaRPr lang="pt-BR" dirty="0" smtClean="0"/>
+          </a:p>
+          <a:p>
+            <a:r>
+              <a:rPr lang="pt-BR" dirty="0" smtClean="0"/>
+              <a:t>Seja </a:t>
+            </a:r>
+            <a:r>
+              <a:rPr lang="pt-BR" dirty="0"/>
+              <a:t>para solucionar o problema constatado pelos Detratores e </a:t>
             </a:r>
             <a:r>
               <a:rPr lang="pt-BR" dirty="0" smtClean="0"/>
@@ -3583,7 +3634,23 @@
           <a:p>
             <a:r>
               <a:rPr lang="pt-BR" dirty="0"/>
-              <a:t>Os feedbacks são essenciais para que a empresa saiba o que pode/deve ser melhorado, </a:t>
+              <a:t>Os feedbacks são essenciais para </a:t>
+            </a:r>
+            <a:r>
+              <a:rPr lang="pt-BR" dirty="0" smtClean="0"/>
+              <a:t>entender o </a:t>
+            </a:r>
+            <a:r>
+              <a:rPr lang="pt-BR" dirty="0"/>
+              <a:t>que pode/deve ser </a:t>
+            </a:r>
+            <a:r>
+              <a:rPr lang="pt-BR" dirty="0" smtClean="0"/>
+              <a:t>melhorado</a:t>
+            </a:r>
+            <a:r>
+              <a:rPr lang="pt-BR" dirty="0"/>
+              <a:t>.</a:t>
             </a:r>
           </a:p>
           <a:p>
@@ -3608,7 +3675,7 @@
         </p:nvSpPr>
         <p:spPr>
           <a:xfrm>
-            <a:off x="553792" y="4377365"/>
+            <a:off x="1348923" y="4375314"/>
             <a:ext cx="4481848" cy="1624191"/>
           </a:xfrm>
           <a:prstGeom prst="rect">
@@ -3695,7 +3762,7 @@
         </p:nvSpPr>
         <p:spPr>
           <a:xfrm>
-            <a:off x="5780469" y="4377365"/>
+            <a:off x="6575600" y="4375314"/>
             <a:ext cx="4481848" cy="1624191"/>
           </a:xfrm>
           <a:prstGeom prst="rect">
@@ -4574,7 +4641,7 @@
         </p:nvSpPr>
         <p:spPr>
           <a:xfrm>
-            <a:off x="1063642" y="2188997"/>
+            <a:off x="1063642" y="1841267"/>
             <a:ext cx="9648423" cy="2677656"/>
           </a:xfrm>
           <a:prstGeom prst="rect">
@@ -4646,6 +4713,30 @@
           </a:p>
         </p:txBody>
       </p:sp>
+      <p:pic>
+        <p:nvPicPr>
+          <p:cNvPr id="5" name="Imagem 4"/>
+          <p:cNvPicPr>
+            <a:picLocks noChangeAspect="1"/>
+          </p:cNvPicPr>
+          <p:nvPr/>
+        </p:nvPicPr>
+        <p:blipFill>
+          <a:blip r:embed="rId2"/>
+          <a:stretch>
+            <a:fillRect/>
+          </a:stretch>
+        </p:blipFill>
+        <p:spPr>
+          <a:xfrm>
+            <a:off x="5306995" y="5283865"/>
+            <a:ext cx="1161715" cy="1265555"/>
+          </a:xfrm>
+          <a:prstGeom prst="rect">
+            <a:avLst/>
+          </a:prstGeom>
+        </p:spPr>
+      </p:pic>
     </p:spTree>
     <p:extLst>
       <p:ext uri="{BB962C8B-B14F-4D97-AF65-F5344CB8AC3E}">
@@ -4746,7 +4837,7 @@
         </p:nvSpPr>
         <p:spPr>
           <a:xfrm>
-            <a:off x="888642" y="2550016"/>
+            <a:off x="888642" y="2266678"/>
             <a:ext cx="10619895" cy="1569660"/>
           </a:xfrm>
           <a:prstGeom prst="rect">
@@ -4803,6 +4894,30 @@
           </a:p>
         </p:txBody>
       </p:sp>
+      <p:pic>
+        <p:nvPicPr>
+          <p:cNvPr id="4" name="Imagem 3"/>
+          <p:cNvPicPr>
+            <a:picLocks noChangeAspect="1"/>
+          </p:cNvPicPr>
+          <p:nvPr/>
+        </p:nvPicPr>
+        <p:blipFill>
+          <a:blip r:embed="rId2"/>
+          <a:stretch>
+            <a:fillRect/>
+          </a:stretch>
+        </p:blipFill>
+        <p:spPr>
+          <a:xfrm>
+            <a:off x="5336576" y="4545569"/>
+            <a:ext cx="1724025" cy="1733550"/>
+          </a:xfrm>
+          <a:prstGeom prst="rect">
+            <a:avLst/>
+          </a:prstGeom>
+        </p:spPr>
+      </p:pic>
     </p:spTree>
     <p:extLst>
       <p:ext uri="{BB962C8B-B14F-4D97-AF65-F5344CB8AC3E}">
